--- a/img/PPT Formwork(3).pptx
+++ b/img/PPT Formwork(3).pptx
@@ -209,7 +209,7 @@
           <a:p>
             <a:fld id="{4EB02BDD-3154-492D-BE59-59C507D5296B}" type="datetimeFigureOut">
               <a:rPr lang="zh-CN" altLang="en-US" smtClean="0"/>
-              <a:t>2018/12/24</a:t>
+              <a:t>2018/12/25</a:t>
             </a:fld>
             <a:endParaRPr lang="zh-CN" altLang="en-US"/>
           </a:p>
@@ -709,7 +709,7 @@
           <a:p>
             <a:fld id="{6BAEC7DB-416E-4648-AE31-15D6F0A9A9FB}" type="datetimeFigureOut">
               <a:rPr lang="en-US" smtClean="0"/>
-              <a:t>12/24/2018</a:t>
+              <a:t>12/25/2018</a:t>
             </a:fld>
             <a:endParaRPr lang="en-US"/>
           </a:p>
@@ -909,7 +909,7 @@
           <a:p>
             <a:fld id="{6BAEC7DB-416E-4648-AE31-15D6F0A9A9FB}" type="datetimeFigureOut">
               <a:rPr lang="en-US" smtClean="0"/>
-              <a:t>12/24/2018</a:t>
+              <a:t>12/25/2018</a:t>
             </a:fld>
             <a:endParaRPr lang="en-US"/>
           </a:p>
@@ -1119,7 +1119,7 @@
           <a:p>
             <a:fld id="{6BAEC7DB-416E-4648-AE31-15D6F0A9A9FB}" type="datetimeFigureOut">
               <a:rPr lang="en-US" smtClean="0"/>
-              <a:t>12/24/2018</a:t>
+              <a:t>12/25/2018</a:t>
             </a:fld>
             <a:endParaRPr lang="en-US"/>
           </a:p>
@@ -1319,7 +1319,7 @@
           <a:p>
             <a:fld id="{6BAEC7DB-416E-4648-AE31-15D6F0A9A9FB}" type="datetimeFigureOut">
               <a:rPr lang="en-US" smtClean="0"/>
-              <a:t>12/24/2018</a:t>
+              <a:t>12/25/2018</a:t>
             </a:fld>
             <a:endParaRPr lang="en-US"/>
           </a:p>
@@ -1595,7 +1595,7 @@
           <a:p>
             <a:fld id="{6BAEC7DB-416E-4648-AE31-15D6F0A9A9FB}" type="datetimeFigureOut">
               <a:rPr lang="en-US" smtClean="0"/>
-              <a:t>12/24/2018</a:t>
+              <a:t>12/25/2018</a:t>
             </a:fld>
             <a:endParaRPr lang="en-US"/>
           </a:p>
@@ -1863,7 +1863,7 @@
           <a:p>
             <a:fld id="{6BAEC7DB-416E-4648-AE31-15D6F0A9A9FB}" type="datetimeFigureOut">
               <a:rPr lang="en-US" smtClean="0"/>
-              <a:t>12/24/2018</a:t>
+              <a:t>12/25/2018</a:t>
             </a:fld>
             <a:endParaRPr lang="en-US"/>
           </a:p>
@@ -2278,7 +2278,7 @@
           <a:p>
             <a:fld id="{6BAEC7DB-416E-4648-AE31-15D6F0A9A9FB}" type="datetimeFigureOut">
               <a:rPr lang="en-US" smtClean="0"/>
-              <a:t>12/24/2018</a:t>
+              <a:t>12/25/2018</a:t>
             </a:fld>
             <a:endParaRPr lang="en-US"/>
           </a:p>
@@ -2420,7 +2420,7 @@
           <a:p>
             <a:fld id="{6BAEC7DB-416E-4648-AE31-15D6F0A9A9FB}" type="datetimeFigureOut">
               <a:rPr lang="en-US" smtClean="0"/>
-              <a:t>12/24/2018</a:t>
+              <a:t>12/25/2018</a:t>
             </a:fld>
             <a:endParaRPr lang="en-US"/>
           </a:p>
@@ -2533,7 +2533,7 @@
           <a:p>
             <a:fld id="{6BAEC7DB-416E-4648-AE31-15D6F0A9A9FB}" type="datetimeFigureOut">
               <a:rPr lang="en-US" smtClean="0"/>
-              <a:t>12/24/2018</a:t>
+              <a:t>12/25/2018</a:t>
             </a:fld>
             <a:endParaRPr lang="en-US"/>
           </a:p>
@@ -2846,7 +2846,7 @@
           <a:p>
             <a:fld id="{6BAEC7DB-416E-4648-AE31-15D6F0A9A9FB}" type="datetimeFigureOut">
               <a:rPr lang="en-US" smtClean="0"/>
-              <a:t>12/24/2018</a:t>
+              <a:t>12/25/2018</a:t>
             </a:fld>
             <a:endParaRPr lang="en-US"/>
           </a:p>
@@ -3135,7 +3135,7 @@
           <a:p>
             <a:fld id="{6BAEC7DB-416E-4648-AE31-15D6F0A9A9FB}" type="datetimeFigureOut">
               <a:rPr lang="en-US" smtClean="0"/>
-              <a:t>12/24/2018</a:t>
+              <a:t>12/25/2018</a:t>
             </a:fld>
             <a:endParaRPr lang="en-US"/>
           </a:p>
@@ -3378,7 +3378,7 @@
           <a:p>
             <a:fld id="{6BAEC7DB-416E-4648-AE31-15D6F0A9A9FB}" type="datetimeFigureOut">
               <a:rPr lang="en-US" smtClean="0"/>
-              <a:t>12/24/2018</a:t>
+              <a:t>12/25/2018</a:t>
             </a:fld>
             <a:endParaRPr lang="en-US"/>
           </a:p>
@@ -4464,8 +4464,8 @@
         </p:nvSpPr>
         <p:spPr>
           <a:xfrm>
-            <a:off x="2282317" y="2310136"/>
-            <a:ext cx="1905235" cy="707886"/>
+            <a:off x="2005149" y="2243255"/>
+            <a:ext cx="2207832" cy="707886"/>
           </a:xfrm>
           <a:prstGeom prst="rect">
             <a:avLst/>
@@ -4478,8 +4478,9 @@
           </a:bodyPr>
           <a:lstStyle/>
           <a:p>
-            <a:r>
-              <a:rPr lang="en-US" altLang="zh-CN" sz="2000" b="1" dirty="0">
+            <a:pPr algn="ctr"/>
+            <a:r>
+              <a:rPr lang="en-US" altLang="zh-CN" sz="2000" b="1">
                 <a:solidFill>
                   <a:srgbClr val="A5A5A5"/>
                 </a:solidFill>
@@ -4489,7 +4490,7 @@
               <a:t>Grove</a:t>
             </a:r>
             <a:r>
-              <a:rPr lang="zh-CN" altLang="en-US" sz="2000" b="1" dirty="0">
+              <a:rPr lang="zh-CN" altLang="en-US" sz="2000" b="1">
                 <a:solidFill>
                   <a:srgbClr val="A5A5A5"/>
                 </a:solidFill>
@@ -4498,6 +4499,29 @@
               </a:rPr>
               <a:t> </a:t>
             </a:r>
+            <a:r>
+              <a:rPr lang="en-US" altLang="zh-CN" sz="2000" b="1">
+                <a:solidFill>
+                  <a:srgbClr val="A5A5A5"/>
+                </a:solidFill>
+                <a:latin typeface="微软雅黑" panose="020B0503020204020204" pitchFamily="34" charset="-122"/>
+                <a:ea typeface="微软雅黑" panose="020B0503020204020204" pitchFamily="34" charset="-122"/>
+              </a:rPr>
+              <a:t>Port</a:t>
+            </a:r>
+          </a:p>
+          <a:p>
+            <a:pPr algn="ctr"/>
+            <a:r>
+              <a:rPr lang="en-US" altLang="zh-CN" sz="2000" b="1">
+                <a:solidFill>
+                  <a:srgbClr val="A5A5A5"/>
+                </a:solidFill>
+                <a:latin typeface="微软雅黑" panose="020B0503020204020204" pitchFamily="34" charset="-122"/>
+                <a:ea typeface="微软雅黑" panose="020B0503020204020204" pitchFamily="34" charset="-122"/>
+              </a:rPr>
+              <a:t>(A0/A2/A4/A6)</a:t>
+            </a:r>
             <a:endParaRPr lang="en-US" altLang="zh-CN" sz="2000" b="1" dirty="0">
               <a:solidFill>
                 <a:srgbClr val="A5A5A5"/>
@@ -4506,26 +4530,93 @@
               <a:ea typeface="微软雅黑" panose="020B0503020204020204" pitchFamily="34" charset="-122"/>
             </a:endParaRPr>
           </a:p>
-          <a:p>
-            <a:r>
-              <a:rPr lang="en-US" altLang="zh-CN" sz="2000" b="1" dirty="0">
+        </p:txBody>
+      </p:sp>
+      <p:sp>
+        <p:nvSpPr>
+          <p:cNvPr id="16" name="文本框 15">
+            <a:extLst>
+              <a:ext uri="{FF2B5EF4-FFF2-40B4-BE49-F238E27FC236}">
+                <a16:creationId xmlns:a16="http://schemas.microsoft.com/office/drawing/2014/main" id="{7925E4DE-4DCA-40F2-AAB2-E910F5DC9C64}"/>
+              </a:ext>
+            </a:extLst>
+          </p:cNvPr>
+          <p:cNvSpPr txBox="1"/>
+          <p:nvPr/>
+        </p:nvSpPr>
+        <p:spPr>
+          <a:xfrm>
+            <a:off x="2059758" y="3370117"/>
+            <a:ext cx="2207832" cy="707886"/>
+          </a:xfrm>
+          <a:prstGeom prst="rect">
+            <a:avLst/>
+          </a:prstGeom>
+          <a:noFill/>
+        </p:spPr>
+        <p:txBody>
+          <a:bodyPr wrap="square" rtlCol="0">
+            <a:spAutoFit/>
+          </a:bodyPr>
+          <a:lstStyle/>
+          <a:p>
+            <a:pPr algn="ctr"/>
+            <a:r>
+              <a:rPr lang="en-US" altLang="zh-CN" sz="2000" b="1">
                 <a:solidFill>
                   <a:srgbClr val="A5A5A5"/>
                 </a:solidFill>
                 <a:latin typeface="微软雅黑" panose="020B0503020204020204" pitchFamily="34" charset="-122"/>
                 <a:ea typeface="微软雅黑" panose="020B0503020204020204" pitchFamily="34" charset="-122"/>
               </a:rPr>
-              <a:t>analog port</a:t>
-            </a:r>
-          </a:p>
-        </p:txBody>
-      </p:sp>
-      <p:sp>
-        <p:nvSpPr>
-          <p:cNvPr id="16" name="文本框 15">
-            <a:extLst>
-              <a:ext uri="{FF2B5EF4-FFF2-40B4-BE49-F238E27FC236}">
-                <a16:creationId xmlns:a16="http://schemas.microsoft.com/office/drawing/2014/main" id="{7925E4DE-4DCA-40F2-AAB2-E910F5DC9C64}"/>
+              <a:t>Female Header</a:t>
+            </a:r>
+            <a:r>
+              <a:rPr lang="zh-CN" altLang="en-US" sz="2000" b="1">
+                <a:solidFill>
+                  <a:srgbClr val="A5A5A5"/>
+                </a:solidFill>
+                <a:latin typeface="微软雅黑" panose="020B0503020204020204" pitchFamily="34" charset="-122"/>
+                <a:ea typeface="微软雅黑" panose="020B0503020204020204" pitchFamily="34" charset="-122"/>
+              </a:rPr>
+              <a:t> </a:t>
+            </a:r>
+            <a:endParaRPr lang="en-US" altLang="zh-CN" sz="2000" b="1">
+              <a:solidFill>
+                <a:srgbClr val="A5A5A5"/>
+              </a:solidFill>
+              <a:latin typeface="微软雅黑" panose="020B0503020204020204" pitchFamily="34" charset="-122"/>
+              <a:ea typeface="微软雅黑" panose="020B0503020204020204" pitchFamily="34" charset="-122"/>
+            </a:endParaRPr>
+          </a:p>
+          <a:p>
+            <a:pPr algn="ctr"/>
+            <a:r>
+              <a:rPr lang="en-US" altLang="zh-CN" sz="2000" b="1">
+                <a:solidFill>
+                  <a:srgbClr val="A5A5A5"/>
+                </a:solidFill>
+                <a:latin typeface="微软雅黑" panose="020B0503020204020204" pitchFamily="34" charset="-122"/>
+                <a:ea typeface="微软雅黑" panose="020B0503020204020204" pitchFamily="34" charset="-122"/>
+              </a:rPr>
+              <a:t>(A0~A7)</a:t>
+            </a:r>
+            <a:endParaRPr lang="en-US" altLang="zh-CN" sz="2000" b="1" dirty="0">
+              <a:solidFill>
+                <a:srgbClr val="A5A5A5"/>
+              </a:solidFill>
+              <a:latin typeface="微软雅黑" panose="020B0503020204020204" pitchFamily="34" charset="-122"/>
+              <a:ea typeface="微软雅黑" panose="020B0503020204020204" pitchFamily="34" charset="-122"/>
+            </a:endParaRPr>
+          </a:p>
+        </p:txBody>
+      </p:sp>
+      <p:sp>
+        <p:nvSpPr>
+          <p:cNvPr id="18" name="文本框 17">
+            <a:extLst>
+              <a:ext uri="{FF2B5EF4-FFF2-40B4-BE49-F238E27FC236}">
+                <a16:creationId xmlns:a16="http://schemas.microsoft.com/office/drawing/2014/main" id="{D8776328-D9D0-41DD-921F-31E205972A56}"/>
               </a:ext>
             </a:extLst>
           </p:cNvPr>
@@ -4534,8 +4625,8 @@
         </p:nvSpPr>
         <p:spPr>
           <a:xfrm>
-            <a:off x="2282317" y="3438844"/>
-            <a:ext cx="1613525" cy="707886"/>
+            <a:off x="4212981" y="5303557"/>
+            <a:ext cx="2207832" cy="400110"/>
           </a:xfrm>
           <a:prstGeom prst="rect">
             <a:avLst/>
@@ -4549,68 +4640,22 @@
           <a:lstStyle/>
           <a:p>
             <a:r>
-              <a:rPr lang="en-US" altLang="zh-CN" sz="2000" b="1" dirty="0">
+              <a:rPr lang="en-US" altLang="zh-CN" sz="2000" b="1">
                 <a:solidFill>
                   <a:srgbClr val="A5A5A5"/>
                 </a:solidFill>
                 <a:latin typeface="微软雅黑" panose="020B0503020204020204" pitchFamily="34" charset="-122"/>
                 <a:ea typeface="微软雅黑" panose="020B0503020204020204" pitchFamily="34" charset="-122"/>
               </a:rPr>
-              <a:t>Analog port</a:t>
-            </a:r>
-          </a:p>
-        </p:txBody>
-      </p:sp>
-      <p:sp>
-        <p:nvSpPr>
-          <p:cNvPr id="18" name="文本框 17">
-            <a:extLst>
-              <a:ext uri="{FF2B5EF4-FFF2-40B4-BE49-F238E27FC236}">
-                <a16:creationId xmlns:a16="http://schemas.microsoft.com/office/drawing/2014/main" id="{D8776328-D9D0-41DD-921F-31E205972A56}"/>
-              </a:ext>
-            </a:extLst>
-          </p:cNvPr>
-          <p:cNvSpPr txBox="1"/>
-          <p:nvPr/>
-        </p:nvSpPr>
-        <p:spPr>
-          <a:xfrm>
-            <a:off x="4267590" y="5434885"/>
-            <a:ext cx="1828409" cy="707886"/>
-          </a:xfrm>
-          <a:prstGeom prst="rect">
-            <a:avLst/>
-          </a:prstGeom>
-          <a:noFill/>
-        </p:spPr>
-        <p:txBody>
-          <a:bodyPr wrap="square" rtlCol="0">
-            <a:spAutoFit/>
-          </a:bodyPr>
-          <a:lstStyle/>
-          <a:p>
-            <a:r>
-              <a:rPr lang="en-US" altLang="zh-CN" sz="2000" b="1" dirty="0">
-                <a:solidFill>
-                  <a:srgbClr val="A5A5A5"/>
-                </a:solidFill>
-                <a:latin typeface="微软雅黑" panose="020B0503020204020204" pitchFamily="34" charset="-122"/>
-                <a:ea typeface="微软雅黑" panose="020B0503020204020204" pitchFamily="34" charset="-122"/>
-              </a:rPr>
-              <a:t>Analog </a:t>
-            </a:r>
-          </a:p>
-          <a:p>
-            <a:r>
-              <a:rPr lang="en-US" altLang="zh-CN" sz="2000" b="1" dirty="0">
-                <a:solidFill>
-                  <a:srgbClr val="A5A5A5"/>
-                </a:solidFill>
-                <a:latin typeface="微软雅黑" panose="020B0503020204020204" pitchFamily="34" charset="-122"/>
-                <a:ea typeface="微软雅黑" panose="020B0503020204020204" pitchFamily="34" charset="-122"/>
-              </a:rPr>
-              <a:t>connecter</a:t>
-            </a:r>
+              <a:t>Screw Terminal</a:t>
+            </a:r>
+            <a:endParaRPr lang="en-US" altLang="zh-CN" sz="2000" b="1" dirty="0">
+              <a:solidFill>
+                <a:srgbClr val="A5A5A5"/>
+              </a:solidFill>
+              <a:latin typeface="微软雅黑" panose="020B0503020204020204" pitchFamily="34" charset="-122"/>
+              <a:ea typeface="微软雅黑" panose="020B0503020204020204" pitchFamily="34" charset="-122"/>
+            </a:endParaRPr>
           </a:p>
         </p:txBody>
       </p:sp>
